--- a/esm-tools.pptx
+++ b/esm-tools.pptx
@@ -11829,8 +11829,8 @@
         </p:nvGrpSpPr>
         <p:grpSpPr>
           <a:xfrm>
-            <a:off x="1415644" y="1133427"/>
-            <a:ext cx="1551164" cy="1551251"/>
+            <a:off x="1415645" y="1202439"/>
+            <a:ext cx="1448326" cy="1437440"/>
             <a:chOff x="570875" y="4322250"/>
             <a:chExt cx="443300" cy="443325"/>
           </a:xfrm>
@@ -28989,7 +28989,7 @@
         </p:nvSpPr>
         <p:spPr>
           <a:xfrm>
-            <a:off x="457200" y="5277525"/>
+            <a:off x="621102" y="4190597"/>
             <a:ext cx="8229600" cy="826500"/>
           </a:xfrm>
           <a:prstGeom prst="rect">
@@ -29293,14 +29293,14 @@
               <a:buNone/>
             </a:pPr>
             <a:r>
-              <a:rPr lang="de-DE" dirty="0" smtClean="0"/>
+              <a:rPr lang="de-DE" sz="2800" dirty="0" smtClean="0"/>
               <a:t>ESM-Tools - </a:t>
             </a:r>
             <a:r>
-              <a:rPr lang="de-DE" dirty="0" err="1" smtClean="0"/>
+              <a:rPr lang="de-DE" sz="2800" dirty="0" err="1" smtClean="0"/>
               <a:t>Overview</a:t>
             </a:r>
-            <a:endParaRPr dirty="0"/>
+            <a:endParaRPr sz="2800" dirty="0"/>
           </a:p>
         </p:txBody>
       </p:sp>

--- a/esm-tools.pptx
+++ b/esm-tools.pptx
@@ -262,6 +262,11 @@
       </a:defRPr>
     </a:lvl9pPr>
   </p:defaultTextStyle>
+  <p:extLst>
+    <p:ext uri="{EFAFB233-063F-42B5-8137-9DF3F51BA10A}">
+      <p15:sldGuideLst xmlns:p15="http://schemas.microsoft.com/office/powerpoint/2012/main"/>
+    </p:ext>
+  </p:extLst>
 </p:presentation>
 </file>
 
@@ -8804,6 +8809,13 @@
   <p:clrMapOvr>
     <a:masterClrMapping/>
   </p:clrMapOvr>
+  <p:timing>
+    <p:tnLst>
+      <p:par>
+        <p:cTn id="1" dur="indefinite" restart="never" nodeType="tmRoot"/>
+      </p:par>
+    </p:tnLst>
+  </p:timing>
 </p:sld>
 </file>
 
@@ -8863,11 +8875,7 @@
             </a:pPr>
             <a:r>
               <a:rPr lang="de-DE" dirty="0" err="1" smtClean="0"/>
-              <a:t>e</a:t>
-            </a:r>
-            <a:r>
-              <a:rPr lang="de-DE" dirty="0" err="1" smtClean="0"/>
-              <a:t>sm-runscripts</a:t>
+              <a:t>esm-runscripts</a:t>
             </a:r>
             <a:endParaRPr dirty="0"/>
           </a:p>
@@ -10586,6 +10594,13 @@
   <p:clrMapOvr>
     <a:masterClrMapping/>
   </p:clrMapOvr>
+  <p:timing>
+    <p:tnLst>
+      <p:par>
+        <p:cTn id="1" dur="indefinite" restart="never" nodeType="tmRoot"/>
+      </p:par>
+    </p:tnLst>
+  </p:timing>
 </p:sld>
 </file>
 
@@ -11362,6 +11377,13 @@
   <p:clrMapOvr>
     <a:masterClrMapping/>
   </p:clrMapOvr>
+  <p:timing>
+    <p:tnLst>
+      <p:par>
+        <p:cTn id="1" dur="indefinite" restart="never" nodeType="tmRoot"/>
+      </p:par>
+    </p:tnLst>
+  </p:timing>
 </p:sld>
 </file>
 
@@ -11471,19 +11493,7 @@
                 <a:cs typeface="Source Sans Pro"/>
                 <a:sym typeface="Source Sans Pro"/>
               </a:rPr>
-              <a:t>fesom</a:t>
-            </a:r>
-            <a:r>
-              <a:rPr lang="de-DE" sz="2400" b="1" dirty="0" err="1" smtClean="0">
-                <a:solidFill>
-                  <a:srgbClr val="FD8E80"/>
-                </a:solidFill>
-                <a:latin typeface="Source Sans Pro"/>
-                <a:ea typeface="Source Sans Pro"/>
-                <a:cs typeface="Source Sans Pro"/>
-                <a:sym typeface="Source Sans Pro"/>
-              </a:rPr>
-              <a:t>-runscript</a:t>
+              <a:t>fesom-runscript</a:t>
             </a:r>
             <a:r>
               <a:rPr lang="en" sz="2400" b="1" dirty="0" smtClean="0">
@@ -11558,6 +11568,13 @@
   <p:clrMapOvr>
     <a:masterClrMapping/>
   </p:clrMapOvr>
+  <p:timing>
+    <p:tnLst>
+      <p:par>
+        <p:cTn id="1" dur="indefinite" restart="never" nodeType="tmRoot"/>
+      </p:par>
+    </p:tnLst>
+  </p:timing>
 </p:sld>
 </file>
 
@@ -12797,6 +12814,13 @@
   <p:clrMapOvr>
     <a:masterClrMapping/>
   </p:clrMapOvr>
+  <p:timing>
+    <p:tnLst>
+      <p:par>
+        <p:cTn id="1" dur="indefinite" restart="never" nodeType="tmRoot"/>
+      </p:par>
+    </p:tnLst>
+  </p:timing>
 </p:sld>
 </file>
 
@@ -13234,6 +13258,13 @@
   <p:clrMapOvr>
     <a:masterClrMapping/>
   </p:clrMapOvr>
+  <p:timing>
+    <p:tnLst>
+      <p:par>
+        <p:cTn id="1" dur="indefinite" restart="never" nodeType="tmRoot"/>
+      </p:par>
+    </p:tnLst>
+  </p:timing>
 </p:sld>
 </file>
 
@@ -13405,6 +13436,13 @@
   <p:clrMapOvr>
     <a:masterClrMapping/>
   </p:clrMapOvr>
+  <p:timing>
+    <p:tnLst>
+      <p:par>
+        <p:cTn id="1" dur="indefinite" restart="never" nodeType="tmRoot"/>
+      </p:par>
+    </p:tnLst>
+  </p:timing>
 </p:sld>
 </file>
 
@@ -14470,6 +14508,13 @@
   <p:clrMapOvr>
     <a:masterClrMapping/>
   </p:clrMapOvr>
+  <p:timing>
+    <p:tnLst>
+      <p:par>
+        <p:cTn id="1" dur="indefinite" restart="never" nodeType="tmRoot"/>
+      </p:par>
+    </p:tnLst>
+  </p:timing>
 </p:sld>
 </file>
 
@@ -14529,11 +14574,7 @@
             </a:pPr>
             <a:r>
               <a:rPr lang="de-DE" dirty="0" err="1" smtClean="0"/>
-              <a:t>e</a:t>
-            </a:r>
-            <a:r>
-              <a:rPr lang="de-DE" dirty="0" err="1" smtClean="0"/>
-              <a:t>sm-usermanual</a:t>
+              <a:t>esm-usermanual</a:t>
             </a:r>
             <a:endParaRPr dirty="0"/>
           </a:p>
@@ -15499,6 +15540,13 @@
   <p:clrMapOvr>
     <a:masterClrMapping/>
   </p:clrMapOvr>
+  <p:timing>
+    <p:tnLst>
+      <p:par>
+        <p:cTn id="1" dur="indefinite" restart="never" nodeType="tmRoot"/>
+      </p:par>
+    </p:tnLst>
+  </p:timing>
 </p:sld>
 </file>
 
@@ -16394,6 +16442,13 @@
   <p:clrMapOvr>
     <a:masterClrMapping/>
   </p:clrMapOvr>
+  <p:timing>
+    <p:tnLst>
+      <p:par>
+        <p:cTn id="1" dur="indefinite" restart="never" nodeType="tmRoot"/>
+      </p:par>
+    </p:tnLst>
+  </p:timing>
 </p:sld>
 </file>
 
@@ -16453,11 +16508,7 @@
             </a:pPr>
             <a:r>
               <a:rPr lang="de-DE" dirty="0" err="1" smtClean="0"/>
-              <a:t>e</a:t>
-            </a:r>
-            <a:r>
-              <a:rPr lang="de-DE" dirty="0" err="1" smtClean="0"/>
-              <a:t>sm</a:t>
+              <a:t>esm</a:t>
             </a:r>
             <a:r>
               <a:rPr lang="de-DE" dirty="0" smtClean="0"/>
@@ -17892,6 +17943,13 @@
   <p:clrMapOvr>
     <a:masterClrMapping/>
   </p:clrMapOvr>
+  <p:timing>
+    <p:tnLst>
+      <p:par>
+        <p:cTn id="1" dur="indefinite" restart="never" nodeType="tmRoot"/>
+      </p:par>
+    </p:tnLst>
+  </p:timing>
 </p:sld>
 </file>
 
@@ -18281,6 +18339,13 @@
   <p:clrMapOvr>
     <a:masterClrMapping/>
   </p:clrMapOvr>
+  <p:timing>
+    <p:tnLst>
+      <p:par>
+        <p:cTn id="1" dur="indefinite" restart="never" nodeType="tmRoot"/>
+      </p:par>
+    </p:tnLst>
+  </p:timing>
 </p:sld>
 </file>
 
@@ -18399,15 +18464,7 @@
                   <a:srgbClr val="F05768"/>
                 </a:solidFill>
               </a:rPr>
-              <a:t>e</a:t>
-            </a:r>
-            <a:r>
-              <a:rPr lang="de-DE" sz="2400" b="1" dirty="0" err="1" smtClean="0">
-                <a:solidFill>
-                  <a:srgbClr val="F05768"/>
-                </a:solidFill>
-              </a:rPr>
-              <a:t>sm</a:t>
+              <a:t>esm</a:t>
             </a:r>
             <a:r>
               <a:rPr lang="de-DE" sz="2400" b="1" dirty="0" smtClean="0">
@@ -18465,15 +18522,7 @@
                   <a:srgbClr val="F05768"/>
                 </a:solidFill>
               </a:rPr>
-              <a:t>e</a:t>
-            </a:r>
-            <a:r>
-              <a:rPr lang="de-DE" sz="2400" b="1" smtClean="0">
-                <a:solidFill>
-                  <a:srgbClr val="F05768"/>
-                </a:solidFill>
-              </a:rPr>
-              <a:t>sm-runscripts</a:t>
+              <a:t>esm-runscripts</a:t>
             </a:r>
             <a:endParaRPr sz="2400" b="1" dirty="0">
               <a:solidFill>
@@ -18605,15 +18654,7 @@
                   <a:srgbClr val="F05768"/>
                 </a:solidFill>
               </a:rPr>
-              <a:t>e</a:t>
-            </a:r>
-            <a:r>
-              <a:rPr lang="de-DE" sz="2400" b="1" smtClean="0">
-                <a:solidFill>
-                  <a:srgbClr val="F05768"/>
-                </a:solidFill>
-              </a:rPr>
-              <a:t>sm-usermanual</a:t>
+              <a:t>esm-usermanual</a:t>
             </a:r>
             <a:endParaRPr b="1" dirty="0">
               <a:solidFill>
@@ -28361,6 +28402,13 @@
   <p:clrMapOvr>
     <a:masterClrMapping/>
   </p:clrMapOvr>
+  <p:timing>
+    <p:tnLst>
+      <p:par>
+        <p:cTn id="1" dur="indefinite" restart="never" nodeType="tmRoot"/>
+      </p:par>
+    </p:tnLst>
+  </p:timing>
 </p:sld>
 </file>
 
@@ -28919,6 +28967,13 @@
   <p:clrMapOvr>
     <a:masterClrMapping/>
   </p:clrMapOvr>
+  <p:timing>
+    <p:tnLst>
+      <p:par>
+        <p:cTn id="1" dur="indefinite" restart="never" nodeType="tmRoot"/>
+      </p:par>
+    </p:tnLst>
+  </p:timing>
 </p:sld>
 </file>
 
@@ -29238,6 +29293,13 @@
   <p:clrMapOvr>
     <a:masterClrMapping/>
   </p:clrMapOvr>
+  <p:timing>
+    <p:tnLst>
+      <p:par>
+        <p:cTn id="1" dur="indefinite" restart="never" nodeType="tmRoot"/>
+      </p:par>
+    </p:tnLst>
+  </p:timing>
 </p:sld>
 </file>
 
@@ -30224,15 +30286,7 @@
                   <a:srgbClr val="F05768"/>
                 </a:solidFill>
               </a:rPr>
-              <a:t>e</a:t>
-            </a:r>
-            <a:r>
-              <a:rPr lang="de-DE" sz="2400" b="1" dirty="0" err="1" smtClean="0">
-                <a:solidFill>
-                  <a:srgbClr val="F05768"/>
-                </a:solidFill>
-              </a:rPr>
-              <a:t>sm-usermanual</a:t>
+              <a:t>esm-usermanual</a:t>
             </a:r>
             <a:endParaRPr b="1" dirty="0">
               <a:solidFill>
@@ -30887,15 +30941,7 @@
                   <a:srgbClr val="FFFFFF"/>
                 </a:solidFill>
               </a:rPr>
-              <a:t>fo</a:t>
-            </a:r>
-            <a:r>
-              <a:rPr lang="de-DE" sz="1200" dirty="0" err="1" smtClean="0">
-                <a:solidFill>
-                  <a:srgbClr val="FFFFFF"/>
-                </a:solidFill>
-              </a:rPr>
-              <a:t>r</a:t>
+              <a:t>for</a:t>
             </a:r>
             <a:r>
               <a:rPr lang="de-DE" sz="1200" dirty="0" smtClean="0">
@@ -34823,6 +34869,13 @@
   <p:clrMapOvr>
     <a:masterClrMapping/>
   </p:clrMapOvr>
+  <p:timing>
+    <p:tnLst>
+      <p:par>
+        <p:cTn id="1" dur="indefinite" restart="never" nodeType="tmRoot"/>
+      </p:par>
+    </p:tnLst>
+  </p:timing>
 </p:sld>
 </file>
 
@@ -36657,6 +36710,13 @@
   <p:clrMapOvr>
     <a:masterClrMapping/>
   </p:clrMapOvr>
+  <p:timing>
+    <p:tnLst>
+      <p:par>
+        <p:cTn id="1" dur="indefinite" restart="never" nodeType="tmRoot"/>
+      </p:par>
+    </p:tnLst>
+  </p:timing>
 </p:sld>
 </file>
 
@@ -38504,6 +38564,13 @@
   <p:clrMapOvr>
     <a:masterClrMapping/>
   </p:clrMapOvr>
+  <p:timing>
+    <p:tnLst>
+      <p:par>
+        <p:cTn id="1" dur="indefinite" restart="never" nodeType="tmRoot"/>
+      </p:par>
+    </p:tnLst>
+  </p:timing>
 </p:sld>
 </file>
 
@@ -38621,19 +38688,7 @@
                 <a:cs typeface="Source Sans Pro"/>
                 <a:sym typeface="Source Sans Pro"/>
               </a:rPr>
-              <a:t>Makefile</a:t>
-            </a:r>
-            <a:r>
-              <a:rPr lang="de-DE" b="1" dirty="0" err="1" smtClean="0">
-                <a:solidFill>
-                  <a:srgbClr val="F05768"/>
-                </a:solidFill>
-                <a:latin typeface="Source Sans Pro"/>
-                <a:ea typeface="Source Sans Pro"/>
-                <a:cs typeface="Source Sans Pro"/>
-                <a:sym typeface="Source Sans Pro"/>
-              </a:rPr>
-              <a:t>-based</a:t>
+              <a:t>Makefile-based</a:t>
             </a:r>
             <a:r>
               <a:rPr lang="de-DE" b="1" dirty="0" smtClean="0">
@@ -39793,19 +39848,7 @@
                 <a:cs typeface="Source Sans Pro"/>
                 <a:sym typeface="Source Sans Pro"/>
               </a:rPr>
-              <a:t>-environm</a:t>
-            </a:r>
-            <a:r>
-              <a:rPr lang="de-DE" b="1" dirty="0" smtClean="0">
-                <a:solidFill>
-                  <a:srgbClr val="F05768"/>
-                </a:solidFill>
-                <a:latin typeface="Source Sans Pro"/>
-                <a:ea typeface="Source Sans Pro"/>
-                <a:cs typeface="Source Sans Pro"/>
-                <a:sym typeface="Source Sans Pro"/>
-              </a:rPr>
-              <a:t>ent</a:t>
+              <a:t>-environment</a:t>
             </a:r>
             <a:endParaRPr dirty="0">
               <a:solidFill>
@@ -40801,6 +40844,13 @@
   <p:clrMapOvr>
     <a:masterClrMapping/>
   </p:clrMapOvr>
+  <p:timing>
+    <p:tnLst>
+      <p:par>
+        <p:cTn id="1" dur="indefinite" restart="never" nodeType="tmRoot"/>
+      </p:par>
+    </p:tnLst>
+  </p:timing>
 </p:sld>
 </file>
 
@@ -41265,6 +41315,13 @@
   <p:clrMapOvr>
     <a:masterClrMapping/>
   </p:clrMapOvr>
+  <p:timing>
+    <p:tnLst>
+      <p:par>
+        <p:cTn id="1" dur="indefinite" restart="never" nodeType="tmRoot"/>
+      </p:par>
+    </p:tnLst>
+  </p:timing>
 </p:sld>
 </file>
 
@@ -41324,11 +41381,7 @@
             </a:pPr>
             <a:r>
               <a:rPr lang="de-DE" dirty="0" err="1" smtClean="0"/>
-              <a:t>e</a:t>
-            </a:r>
-            <a:r>
-              <a:rPr lang="de-DE" dirty="0" err="1" smtClean="0"/>
-              <a:t>sm</a:t>
+              <a:t>esm</a:t>
             </a:r>
             <a:r>
               <a:rPr lang="de-DE" dirty="0" smtClean="0"/>
@@ -41490,19 +41543,7 @@
                 <a:cs typeface="Source Sans Pro"/>
                 <a:sym typeface="Source Sans Pro"/>
               </a:rPr>
-              <a:t>setting</a:t>
-            </a:r>
-            <a:r>
-              <a:rPr lang="de-DE" b="1" dirty="0" err="1" smtClean="0">
-                <a:solidFill>
-                  <a:srgbClr val="F05768"/>
-                </a:solidFill>
-                <a:latin typeface="Source Sans Pro"/>
-                <a:ea typeface="Source Sans Pro"/>
-                <a:cs typeface="Source Sans Pro"/>
-                <a:sym typeface="Source Sans Pro"/>
-              </a:rPr>
-              <a:t>s</a:t>
+              <a:t>settings</a:t>
             </a:r>
             <a:r>
               <a:rPr lang="de-DE" b="1" dirty="0" smtClean="0">
@@ -43381,6 +43422,13 @@
   <p:clrMapOvr>
     <a:masterClrMapping/>
   </p:clrMapOvr>
+  <p:timing>
+    <p:tnLst>
+      <p:par>
+        <p:cTn id="1" dur="indefinite" restart="never" nodeType="tmRoot"/>
+      </p:par>
+    </p:tnLst>
+  </p:timing>
 </p:sld>
 </file>
 
@@ -44558,6 +44606,13 @@
   <p:clrMapOvr>
     <a:masterClrMapping/>
   </p:clrMapOvr>
+  <p:timing>
+    <p:tnLst>
+      <p:par>
+        <p:cTn id="1" dur="indefinite" restart="never" nodeType="tmRoot"/>
+      </p:par>
+    </p:tnLst>
+  </p:timing>
 </p:sld>
 </file>
 
